--- a/Slides/Day_6_1.pptx
+++ b/Slides/Day_6_1.pptx
@@ -40,7 +40,8 @@
     <p:sldId id="315" r:id="rId34"/>
     <p:sldId id="316" r:id="rId35"/>
     <p:sldId id="317" r:id="rId36"/>
-    <p:sldId id="318" r:id="rId37"/>
+    <p:sldId id="319" r:id="rId37"/>
+    <p:sldId id="318" r:id="rId38"/>
   </p:sldIdLst>
   <p:sldSz cx="12192000" cy="6858000"/>
   <p:notesSz cx="6858000" cy="9144000"/>
@@ -333,7 +334,7 @@
           <a:p>
             <a:fld id="{EDA8BDCB-78B0-4602-A2A4-46193FA57CAD}" type="datetimeFigureOut">
               <a:rPr lang="en-US" smtClean="0"/>
-              <a:t>8/5/2024</a:t>
+              <a:t>8/10/2024</a:t>
             </a:fld>
             <a:endParaRPr lang="en-US"/>
           </a:p>
@@ -607,7 +608,7 @@
           <a:p>
             <a:fld id="{EDA8BDCB-78B0-4602-A2A4-46193FA57CAD}" type="datetimeFigureOut">
               <a:rPr lang="en-US" smtClean="0"/>
-              <a:t>8/5/2024</a:t>
+              <a:t>8/10/2024</a:t>
             </a:fld>
             <a:endParaRPr lang="en-US"/>
           </a:p>
@@ -801,7 +802,7 @@
           <a:p>
             <a:fld id="{EDA8BDCB-78B0-4602-A2A4-46193FA57CAD}" type="datetimeFigureOut">
               <a:rPr lang="en-US" smtClean="0"/>
-              <a:t>8/5/2024</a:t>
+              <a:t>8/10/2024</a:t>
             </a:fld>
             <a:endParaRPr lang="en-US"/>
           </a:p>
@@ -1074,7 +1075,7 @@
           <a:p>
             <a:fld id="{EDA8BDCB-78B0-4602-A2A4-46193FA57CAD}" type="datetimeFigureOut">
               <a:rPr lang="en-US" smtClean="0"/>
-              <a:t>8/5/2024</a:t>
+              <a:t>8/10/2024</a:t>
             </a:fld>
             <a:endParaRPr lang="en-US"/>
           </a:p>
@@ -1415,7 +1416,7 @@
           <a:p>
             <a:fld id="{EDA8BDCB-78B0-4602-A2A4-46193FA57CAD}" type="datetimeFigureOut">
               <a:rPr lang="en-US" smtClean="0"/>
-              <a:t>8/5/2024</a:t>
+              <a:t>8/10/2024</a:t>
             </a:fld>
             <a:endParaRPr lang="en-US"/>
           </a:p>
@@ -2038,7 +2039,7 @@
           <a:p>
             <a:fld id="{EDA8BDCB-78B0-4602-A2A4-46193FA57CAD}" type="datetimeFigureOut">
               <a:rPr lang="en-US" smtClean="0"/>
-              <a:t>8/5/2024</a:t>
+              <a:t>8/10/2024</a:t>
             </a:fld>
             <a:endParaRPr lang="en-US"/>
           </a:p>
@@ -2895,7 +2896,7 @@
           <a:p>
             <a:fld id="{EDA8BDCB-78B0-4602-A2A4-46193FA57CAD}" type="datetimeFigureOut">
               <a:rPr lang="en-US" smtClean="0"/>
-              <a:t>8/5/2024</a:t>
+              <a:t>8/10/2024</a:t>
             </a:fld>
             <a:endParaRPr lang="en-US"/>
           </a:p>
@@ -3065,7 +3066,7 @@
           <a:p>
             <a:fld id="{EDA8BDCB-78B0-4602-A2A4-46193FA57CAD}" type="datetimeFigureOut">
               <a:rPr lang="en-US" smtClean="0"/>
-              <a:t>8/5/2024</a:t>
+              <a:t>8/10/2024</a:t>
             </a:fld>
             <a:endParaRPr lang="en-US"/>
           </a:p>
@@ -3245,7 +3246,7 @@
           <a:p>
             <a:fld id="{EDA8BDCB-78B0-4602-A2A4-46193FA57CAD}" type="datetimeFigureOut">
               <a:rPr lang="en-US" smtClean="0"/>
-              <a:t>8/5/2024</a:t>
+              <a:t>8/10/2024</a:t>
             </a:fld>
             <a:endParaRPr lang="en-US"/>
           </a:p>
@@ -3415,7 +3416,7 @@
           <a:p>
             <a:fld id="{EDA8BDCB-78B0-4602-A2A4-46193FA57CAD}" type="datetimeFigureOut">
               <a:rPr lang="en-US" smtClean="0"/>
-              <a:t>8/5/2024</a:t>
+              <a:t>8/10/2024</a:t>
             </a:fld>
             <a:endParaRPr lang="en-US"/>
           </a:p>
@@ -3662,7 +3663,7 @@
           <a:p>
             <a:fld id="{EDA8BDCB-78B0-4602-A2A4-46193FA57CAD}" type="datetimeFigureOut">
               <a:rPr lang="en-US" smtClean="0"/>
-              <a:t>8/5/2024</a:t>
+              <a:t>8/10/2024</a:t>
             </a:fld>
             <a:endParaRPr lang="en-US"/>
           </a:p>
@@ -3954,7 +3955,7 @@
           <a:p>
             <a:fld id="{EDA8BDCB-78B0-4602-A2A4-46193FA57CAD}" type="datetimeFigureOut">
               <a:rPr lang="en-US" smtClean="0"/>
-              <a:t>8/5/2024</a:t>
+              <a:t>8/10/2024</a:t>
             </a:fld>
             <a:endParaRPr lang="en-US"/>
           </a:p>
@@ -4398,7 +4399,7 @@
           <a:p>
             <a:fld id="{EDA8BDCB-78B0-4602-A2A4-46193FA57CAD}" type="datetimeFigureOut">
               <a:rPr lang="en-US" smtClean="0"/>
-              <a:t>8/5/2024</a:t>
+              <a:t>8/10/2024</a:t>
             </a:fld>
             <a:endParaRPr lang="en-US"/>
           </a:p>
@@ -4516,7 +4517,7 @@
           <a:p>
             <a:fld id="{EDA8BDCB-78B0-4602-A2A4-46193FA57CAD}" type="datetimeFigureOut">
               <a:rPr lang="en-US" smtClean="0"/>
-              <a:t>8/5/2024</a:t>
+              <a:t>8/10/2024</a:t>
             </a:fld>
             <a:endParaRPr lang="en-US"/>
           </a:p>
@@ -4611,7 +4612,7 @@
           <a:p>
             <a:fld id="{EDA8BDCB-78B0-4602-A2A4-46193FA57CAD}" type="datetimeFigureOut">
               <a:rPr lang="en-US" smtClean="0"/>
-              <a:t>8/5/2024</a:t>
+              <a:t>8/10/2024</a:t>
             </a:fld>
             <a:endParaRPr lang="en-US"/>
           </a:p>
@@ -4890,7 +4891,7 @@
           <a:p>
             <a:fld id="{EDA8BDCB-78B0-4602-A2A4-46193FA57CAD}" type="datetimeFigureOut">
               <a:rPr lang="en-US" smtClean="0"/>
-              <a:t>8/5/2024</a:t>
+              <a:t>8/10/2024</a:t>
             </a:fld>
             <a:endParaRPr lang="en-US"/>
           </a:p>
@@ -5164,7 +5165,7 @@
           <a:p>
             <a:fld id="{EDA8BDCB-78B0-4602-A2A4-46193FA57CAD}" type="datetimeFigureOut">
               <a:rPr lang="en-US" smtClean="0"/>
-              <a:t>8/5/2024</a:t>
+              <a:t>8/10/2024</a:t>
             </a:fld>
             <a:endParaRPr lang="en-US"/>
           </a:p>
@@ -5593,7 +5594,7 @@
           <a:p>
             <a:fld id="{EDA8BDCB-78B0-4602-A2A4-46193FA57CAD}" type="datetimeFigureOut">
               <a:rPr lang="en-US" smtClean="0"/>
-              <a:t>8/5/2024</a:t>
+              <a:t>8/10/2024</a:t>
             </a:fld>
             <a:endParaRPr lang="en-US"/>
           </a:p>
@@ -9714,7 +9715,7 @@
                 <a:latin typeface="Arial" panose="020B0604020202020204" pitchFamily="34" charset="0"/>
                 <a:cs typeface="Arial" panose="020B0604020202020204" pitchFamily="34" charset="0"/>
               </a:rPr>
-              <a:t>1.5.2. Cập nhật dữ liệu trong MySQL</a:t>
+              <a:t>1.5.2. Cập nhật dữ liệu trong MySQL (U - Update)</a:t>
             </a:r>
           </a:p>
           <a:p>
@@ -9887,7 +9888,7 @@
                 <a:latin typeface="Arial" panose="020B0604020202020204" pitchFamily="34" charset="0"/>
                 <a:cs typeface="Arial" panose="020B0604020202020204" pitchFamily="34" charset="0"/>
               </a:rPr>
-              <a:t>1.5.3. Xóa dữ liệu trong MySQL</a:t>
+              <a:t>1.5.3. Xóa dữ liệu trong MySQL (D - Delete)</a:t>
             </a:r>
           </a:p>
           <a:p>
@@ -9970,6 +9971,195 @@
 </file>
 
 <file path=ppt/slides/slide36.xml><?xml version="1.0" encoding="utf-8"?>
+<p:sld xmlns:a="http://schemas.openxmlformats.org/drawingml/2006/main" xmlns:r="http://schemas.openxmlformats.org/officeDocument/2006/relationships" xmlns:p="http://schemas.openxmlformats.org/presentationml/2006/main">
+  <p:cSld>
+    <p:spTree>
+      <p:nvGrpSpPr>
+        <p:cNvPr id="1" name=""/>
+        <p:cNvGrpSpPr/>
+        <p:nvPr/>
+      </p:nvGrpSpPr>
+      <p:grpSpPr>
+        <a:xfrm>
+          <a:off x="0" y="0"/>
+          <a:ext cx="0" cy="0"/>
+          <a:chOff x="0" y="0"/>
+          <a:chExt cx="0" cy="0"/>
+        </a:xfrm>
+      </p:grpSpPr>
+      <p:sp>
+        <p:nvSpPr>
+          <p:cNvPr id="2" name="Title 1">
+            <a:extLst>
+              <a:ext uri="{FF2B5EF4-FFF2-40B4-BE49-F238E27FC236}">
+                <a16:creationId xmlns:a16="http://schemas.microsoft.com/office/drawing/2014/main" id="{14D7F595-0D8F-4FE6-A3EC-4557A1A457EB}"/>
+              </a:ext>
+            </a:extLst>
+          </p:cNvPr>
+          <p:cNvSpPr>
+            <a:spLocks noGrp="1"/>
+          </p:cNvSpPr>
+          <p:nvPr>
+            <p:ph type="title"/>
+          </p:nvPr>
+        </p:nvSpPr>
+        <p:spPr/>
+        <p:txBody>
+          <a:bodyPr/>
+          <a:lstStyle/>
+          <a:p>
+            <a:r>
+              <a:rPr lang="en-US">
+                <a:latin typeface="Arial" panose="020B0604020202020204" pitchFamily="34" charset="0"/>
+                <a:cs typeface="Arial" panose="020B0604020202020204" pitchFamily="34" charset="0"/>
+              </a:rPr>
+              <a:t>1.5. Thực hiện các thao tác CRUD trong MySQL</a:t>
+            </a:r>
+          </a:p>
+        </p:txBody>
+      </p:sp>
+      <p:sp>
+        <p:nvSpPr>
+          <p:cNvPr id="3" name="Content Placeholder 2">
+            <a:extLst>
+              <a:ext uri="{FF2B5EF4-FFF2-40B4-BE49-F238E27FC236}">
+                <a16:creationId xmlns:a16="http://schemas.microsoft.com/office/drawing/2014/main" id="{6337998B-3737-4D43-973D-24B118D723A2}"/>
+              </a:ext>
+            </a:extLst>
+          </p:cNvPr>
+          <p:cNvSpPr>
+            <a:spLocks noGrp="1"/>
+          </p:cNvSpPr>
+          <p:nvPr>
+            <p:ph idx="1"/>
+          </p:nvPr>
+        </p:nvSpPr>
+        <p:spPr>
+          <a:xfrm>
+            <a:off x="1103312" y="2175029"/>
+            <a:ext cx="9612036" cy="3994952"/>
+          </a:xfrm>
+        </p:spPr>
+        <p:txBody>
+          <a:bodyPr/>
+          <a:lstStyle/>
+          <a:p>
+            <a:r>
+              <a:rPr lang="en-US">
+                <a:latin typeface="Arial" panose="020B0604020202020204" pitchFamily="34" charset="0"/>
+                <a:cs typeface="Arial" panose="020B0604020202020204" pitchFamily="34" charset="0"/>
+              </a:rPr>
+              <a:t>1.5.4. Truy vấn dữ liệu trong MySQL (R - Read)</a:t>
+            </a:r>
+          </a:p>
+          <a:p>
+            <a:pPr lvl="1"/>
+            <a:r>
+              <a:rPr lang="en-US">
+                <a:latin typeface="Arial" panose="020B0604020202020204" pitchFamily="34" charset="0"/>
+                <a:cs typeface="Arial" panose="020B0604020202020204" pitchFamily="34" charset="0"/>
+              </a:rPr>
+              <a:t>Cú pháp truy vấn tất cả DL trong bảng: SELECT * FROM &lt;BẢNG&gt;</a:t>
+            </a:r>
+          </a:p>
+          <a:p>
+            <a:pPr lvl="1"/>
+            <a:r>
+              <a:rPr lang="en-US">
+                <a:latin typeface="Arial" panose="020B0604020202020204" pitchFamily="34" charset="0"/>
+                <a:cs typeface="Arial" panose="020B0604020202020204" pitchFamily="34" charset="0"/>
+              </a:rPr>
+              <a:t>Cú pháp truy vấn DL cụ thể trong bảng: SELECT * FROM &lt;BẢNG&gt;</a:t>
+            </a:r>
+          </a:p>
+          <a:p>
+            <a:pPr marL="457200" lvl="1" indent="0">
+              <a:buNone/>
+            </a:pPr>
+            <a:r>
+              <a:rPr lang="en-US">
+                <a:latin typeface="Arial" panose="020B0604020202020204" pitchFamily="34" charset="0"/>
+                <a:cs typeface="Arial" panose="020B0604020202020204" pitchFamily="34" charset="0"/>
+              </a:rPr>
+              <a:t>								WHERE &lt;CỘT KHÓA CHÍNH&gt;=&lt;KHÓA CHÍNH&gt;</a:t>
+            </a:r>
+          </a:p>
+        </p:txBody>
+      </p:sp>
+      <p:pic>
+        <p:nvPicPr>
+          <p:cNvPr id="5" name="Picture 4">
+            <a:extLst>
+              <a:ext uri="{FF2B5EF4-FFF2-40B4-BE49-F238E27FC236}">
+                <a16:creationId xmlns:a16="http://schemas.microsoft.com/office/drawing/2014/main" id="{E78425CC-7BDD-4DFA-9773-224B19434798}"/>
+              </a:ext>
+            </a:extLst>
+          </p:cNvPr>
+          <p:cNvPicPr>
+            <a:picLocks noChangeAspect="1"/>
+          </p:cNvPicPr>
+          <p:nvPr/>
+        </p:nvPicPr>
+        <p:blipFill>
+          <a:blip r:embed="rId2"/>
+          <a:stretch>
+            <a:fillRect/>
+          </a:stretch>
+        </p:blipFill>
+        <p:spPr>
+          <a:xfrm>
+            <a:off x="646111" y="4442455"/>
+            <a:ext cx="3477914" cy="562298"/>
+          </a:xfrm>
+          <a:prstGeom prst="rect">
+            <a:avLst/>
+          </a:prstGeom>
+        </p:spPr>
+      </p:pic>
+      <p:pic>
+        <p:nvPicPr>
+          <p:cNvPr id="8" name="Picture 7">
+            <a:extLst>
+              <a:ext uri="{FF2B5EF4-FFF2-40B4-BE49-F238E27FC236}">
+                <a16:creationId xmlns:a16="http://schemas.microsoft.com/office/drawing/2014/main" id="{EA026A8F-0D43-4955-B0DE-AE6EC1D88087}"/>
+              </a:ext>
+            </a:extLst>
+          </p:cNvPr>
+          <p:cNvPicPr>
+            <a:picLocks noChangeAspect="1"/>
+          </p:cNvPicPr>
+          <p:nvPr/>
+        </p:nvPicPr>
+        <p:blipFill>
+          <a:blip r:embed="rId3"/>
+          <a:stretch>
+            <a:fillRect/>
+          </a:stretch>
+        </p:blipFill>
+        <p:spPr>
+          <a:xfrm>
+            <a:off x="5020504" y="4390288"/>
+            <a:ext cx="5800164" cy="1431210"/>
+          </a:xfrm>
+          <a:prstGeom prst="rect">
+            <a:avLst/>
+          </a:prstGeom>
+        </p:spPr>
+      </p:pic>
+    </p:spTree>
+    <p:extLst>
+      <p:ext uri="{BB962C8B-B14F-4D97-AF65-F5344CB8AC3E}">
+        <p14:creationId xmlns:p14="http://schemas.microsoft.com/office/powerpoint/2010/main" val="17179676"/>
+      </p:ext>
+    </p:extLst>
+  </p:cSld>
+  <p:clrMapOvr>
+    <a:masterClrMapping/>
+  </p:clrMapOvr>
+</p:sld>
+</file>
+
+<file path=ppt/slides/slide37.xml><?xml version="1.0" encoding="utf-8"?>
 <p:sld xmlns:a="http://schemas.openxmlformats.org/drawingml/2006/main" xmlns:r="http://schemas.openxmlformats.org/officeDocument/2006/relationships" xmlns:p="http://schemas.openxmlformats.org/presentationml/2006/main">
   <p:cSld>
     <p:spTree>
